--- a/pt/ProgrammingLessons/LineFollower.pptx
+++ b/pt/ProgrammingLessons/LineFollower.pptx
@@ -137,6 +137,283 @@
 </p:presentation>
 </file>
 
+<file path=ppt/revisionInfo.xml><?xml version="1.0" encoding="utf-8"?>
+<p1510:revInfo xmlns:a="http://schemas.openxmlformats.org/drawingml/2006/main" xmlns:r="http://schemas.openxmlformats.org/officeDocument/2006/relationships" xmlns:p1510="http://schemas.microsoft.com/office/powerpoint/2015/10/main">
+  <p1510:revLst>
+    <p1510:client id="{3FDE298A-9C01-4CF5-A98C-257F381F28FD}" v="7" dt="2020-07-13T06:16:08.855"/>
+  </p1510:revLst>
+</p1510:revInfo>
+</file>
+
+<file path=ppt/changesInfos/changesInfo1.xml><?xml version="1.0" encoding="utf-8"?>
+<pc:chgInfo xmlns:a="http://schemas.openxmlformats.org/drawingml/2006/main" xmlns:r="http://schemas.openxmlformats.org/officeDocument/2006/relationships" xmlns:ac="http://schemas.microsoft.com/office/drawing/2013/main/command" xmlns:pc="http://schemas.microsoft.com/office/powerpoint/2013/main/command">
+  <pc:docChgLst>
+    <pc:chgData name="Anderson Harayashiki Moreira" userId="07ffc975ff648281" providerId="LiveId" clId="{3FDE298A-9C01-4CF5-A98C-257F381F28FD}"/>
+    <pc:docChg chg="custSel modSld">
+      <pc:chgData name="Anderson Harayashiki Moreira" userId="07ffc975ff648281" providerId="LiveId" clId="{3FDE298A-9C01-4CF5-A98C-257F381F28FD}" dt="2020-07-13T06:16:08.855" v="168"/>
+      <pc:docMkLst>
+        <pc:docMk/>
+      </pc:docMkLst>
+      <pc:sldChg chg="addSp delSp modSp">
+        <pc:chgData name="Anderson Harayashiki Moreira" userId="07ffc975ff648281" providerId="LiveId" clId="{3FDE298A-9C01-4CF5-A98C-257F381F28FD}" dt="2020-07-13T06:16:08.855" v="168"/>
+        <pc:sldMkLst>
+          <pc:docMk/>
+          <pc:sldMk cId="675085363" sldId="257"/>
+        </pc:sldMkLst>
+        <pc:spChg chg="mod">
+          <ac:chgData name="Anderson Harayashiki Moreira" userId="07ffc975ff648281" providerId="LiveId" clId="{3FDE298A-9C01-4CF5-A98C-257F381F28FD}" dt="2020-07-13T06:09:29.904" v="25" actId="20577"/>
+          <ac:spMkLst>
+            <pc:docMk/>
+            <pc:sldMk cId="675085363" sldId="257"/>
+            <ac:spMk id="3" creationId="{00000000-0000-0000-0000-000000000000}"/>
+          </ac:spMkLst>
+        </pc:spChg>
+        <pc:spChg chg="del">
+          <ac:chgData name="Anderson Harayashiki Moreira" userId="07ffc975ff648281" providerId="LiveId" clId="{3FDE298A-9C01-4CF5-A98C-257F381F28FD}" dt="2020-07-13T06:16:08.229" v="167" actId="478"/>
+          <ac:spMkLst>
+            <pc:docMk/>
+            <pc:sldMk cId="675085363" sldId="257"/>
+            <ac:spMk id="4" creationId="{00000000-0000-0000-0000-000000000000}"/>
+          </ac:spMkLst>
+        </pc:spChg>
+        <pc:spChg chg="add">
+          <ac:chgData name="Anderson Harayashiki Moreira" userId="07ffc975ff648281" providerId="LiveId" clId="{3FDE298A-9C01-4CF5-A98C-257F381F28FD}" dt="2020-07-13T06:16:08.855" v="168"/>
+          <ac:spMkLst>
+            <pc:docMk/>
+            <pc:sldMk cId="675085363" sldId="257"/>
+            <ac:spMk id="6" creationId="{59EF6566-A9E4-49DC-8963-51AE20752DBA}"/>
+          </ac:spMkLst>
+        </pc:spChg>
+      </pc:sldChg>
+      <pc:sldChg chg="modSp">
+        <pc:chgData name="Anderson Harayashiki Moreira" userId="07ffc975ff648281" providerId="LiveId" clId="{3FDE298A-9C01-4CF5-A98C-257F381F28FD}" dt="2020-07-13T06:08:34.501" v="9" actId="790"/>
+        <pc:sldMkLst>
+          <pc:docMk/>
+          <pc:sldMk cId="4091814433" sldId="275"/>
+        </pc:sldMkLst>
+        <pc:spChg chg="mod">
+          <ac:chgData name="Anderson Harayashiki Moreira" userId="07ffc975ff648281" providerId="LiveId" clId="{3FDE298A-9C01-4CF5-A98C-257F381F28FD}" dt="2020-07-13T06:08:34.501" v="9" actId="790"/>
+          <ac:spMkLst>
+            <pc:docMk/>
+            <pc:sldMk cId="4091814433" sldId="275"/>
+            <ac:spMk id="2" creationId="{D16BC3E9-07DB-4552-A942-72E53C7F1D7B}"/>
+          </ac:spMkLst>
+        </pc:spChg>
+      </pc:sldChg>
+      <pc:sldChg chg="addSp delSp modSp">
+        <pc:chgData name="Anderson Harayashiki Moreira" userId="07ffc975ff648281" providerId="LiveId" clId="{3FDE298A-9C01-4CF5-A98C-257F381F28FD}" dt="2020-07-13T06:15:55.546" v="160"/>
+        <pc:sldMkLst>
+          <pc:docMk/>
+          <pc:sldMk cId="402987695" sldId="277"/>
+        </pc:sldMkLst>
+        <pc:spChg chg="mod">
+          <ac:chgData name="Anderson Harayashiki Moreira" userId="07ffc975ff648281" providerId="LiveId" clId="{3FDE298A-9C01-4CF5-A98C-257F381F28FD}" dt="2020-07-13T06:12:28.948" v="38" actId="123"/>
+          <ac:spMkLst>
+            <pc:docMk/>
+            <pc:sldMk cId="402987695" sldId="277"/>
+            <ac:spMk id="3" creationId="{8BAE18BF-638F-4E9A-BCBC-9E761EAEF9DA}"/>
+          </ac:spMkLst>
+        </pc:spChg>
+        <pc:spChg chg="del">
+          <ac:chgData name="Anderson Harayashiki Moreira" userId="07ffc975ff648281" providerId="LiveId" clId="{3FDE298A-9C01-4CF5-A98C-257F381F28FD}" dt="2020-07-13T06:15:54.919" v="159" actId="478"/>
+          <ac:spMkLst>
+            <pc:docMk/>
+            <pc:sldMk cId="402987695" sldId="277"/>
+            <ac:spMk id="4" creationId="{BB62EFB0-CE6D-473F-B2C8-6DC563EBB023}"/>
+          </ac:spMkLst>
+        </pc:spChg>
+        <pc:spChg chg="mod">
+          <ac:chgData name="Anderson Harayashiki Moreira" userId="07ffc975ff648281" providerId="LiveId" clId="{3FDE298A-9C01-4CF5-A98C-257F381F28FD}" dt="2020-07-13T06:14:23.589" v="103" actId="6549"/>
+          <ac:spMkLst>
+            <pc:docMk/>
+            <pc:sldMk cId="402987695" sldId="277"/>
+            <ac:spMk id="7" creationId="{B673905B-C879-4466-92A7-3B5587F35F70}"/>
+          </ac:spMkLst>
+        </pc:spChg>
+        <pc:spChg chg="add">
+          <ac:chgData name="Anderson Harayashiki Moreira" userId="07ffc975ff648281" providerId="LiveId" clId="{3FDE298A-9C01-4CF5-A98C-257F381F28FD}" dt="2020-07-13T06:15:55.546" v="160"/>
+          <ac:spMkLst>
+            <pc:docMk/>
+            <pc:sldMk cId="402987695" sldId="277"/>
+            <ac:spMk id="8" creationId="{314A4BAF-4D06-4093-8FE0-36070B0ED667}"/>
+          </ac:spMkLst>
+        </pc:spChg>
+      </pc:sldChg>
+      <pc:sldChg chg="addSp delSp">
+        <pc:chgData name="Anderson Harayashiki Moreira" userId="07ffc975ff648281" providerId="LiveId" clId="{3FDE298A-9C01-4CF5-A98C-257F381F28FD}" dt="2020-07-13T06:16:05.826" v="166"/>
+        <pc:sldMkLst>
+          <pc:docMk/>
+          <pc:sldMk cId="588983932" sldId="280"/>
+        </pc:sldMkLst>
+        <pc:spChg chg="del">
+          <ac:chgData name="Anderson Harayashiki Moreira" userId="07ffc975ff648281" providerId="LiveId" clId="{3FDE298A-9C01-4CF5-A98C-257F381F28FD}" dt="2020-07-13T06:16:05.072" v="165" actId="478"/>
+          <ac:spMkLst>
+            <pc:docMk/>
+            <pc:sldMk cId="588983932" sldId="280"/>
+            <ac:spMk id="4" creationId="{E8B5F751-91E3-4C43-81E0-90C074B0CBB6}"/>
+          </ac:spMkLst>
+        </pc:spChg>
+        <pc:spChg chg="add">
+          <ac:chgData name="Anderson Harayashiki Moreira" userId="07ffc975ff648281" providerId="LiveId" clId="{3FDE298A-9C01-4CF5-A98C-257F381F28FD}" dt="2020-07-13T06:16:05.826" v="166"/>
+          <ac:spMkLst>
+            <pc:docMk/>
+            <pc:sldMk cId="588983932" sldId="280"/>
+            <ac:spMk id="35" creationId="{6538A532-E3E1-4DD8-85BB-D0967D51AAFE}"/>
+          </ac:spMkLst>
+        </pc:spChg>
+      </pc:sldChg>
+      <pc:sldChg chg="addSp delSp modSp">
+        <pc:chgData name="Anderson Harayashiki Moreira" userId="07ffc975ff648281" providerId="LiveId" clId="{3FDE298A-9C01-4CF5-A98C-257F381F28FD}" dt="2020-07-13T06:16:02.104" v="164"/>
+        <pc:sldMkLst>
+          <pc:docMk/>
+          <pc:sldMk cId="2569348959" sldId="281"/>
+        </pc:sldMkLst>
+        <pc:spChg chg="del">
+          <ac:chgData name="Anderson Harayashiki Moreira" userId="07ffc975ff648281" providerId="LiveId" clId="{3FDE298A-9C01-4CF5-A98C-257F381F28FD}" dt="2020-07-13T06:16:01.339" v="163" actId="478"/>
+          <ac:spMkLst>
+            <pc:docMk/>
+            <pc:sldMk cId="2569348959" sldId="281"/>
+            <ac:spMk id="4" creationId="{4268A062-5F8E-4269-B9CA-18DCD422D0E9}"/>
+          </ac:spMkLst>
+        </pc:spChg>
+        <pc:spChg chg="mod">
+          <ac:chgData name="Anderson Harayashiki Moreira" userId="07ffc975ff648281" providerId="LiveId" clId="{3FDE298A-9C01-4CF5-A98C-257F381F28FD}" dt="2020-07-13T06:11:39.605" v="36" actId="6549"/>
+          <ac:spMkLst>
+            <pc:docMk/>
+            <pc:sldMk cId="2569348959" sldId="281"/>
+            <ac:spMk id="41" creationId="{672B8672-7934-4236-B8E6-A4F353F20C67}"/>
+          </ac:spMkLst>
+        </pc:spChg>
+        <pc:spChg chg="add">
+          <ac:chgData name="Anderson Harayashiki Moreira" userId="07ffc975ff648281" providerId="LiveId" clId="{3FDE298A-9C01-4CF5-A98C-257F381F28FD}" dt="2020-07-13T06:16:02.104" v="164"/>
+          <ac:spMkLst>
+            <pc:docMk/>
+            <pc:sldMk cId="2569348959" sldId="281"/>
+            <ac:spMk id="42" creationId="{A2DDFDC5-2B7A-46FC-B68E-FF743F888539}"/>
+          </ac:spMkLst>
+        </pc:spChg>
+      </pc:sldChg>
+      <pc:sldChg chg="addSp delSp modSp">
+        <pc:chgData name="Anderson Harayashiki Moreira" userId="07ffc975ff648281" providerId="LiveId" clId="{3FDE298A-9C01-4CF5-A98C-257F381F28FD}" dt="2020-07-13T06:15:58.038" v="162"/>
+        <pc:sldMkLst>
+          <pc:docMk/>
+          <pc:sldMk cId="295710718" sldId="282"/>
+        </pc:sldMkLst>
+        <pc:spChg chg="del">
+          <ac:chgData name="Anderson Harayashiki Moreira" userId="07ffc975ff648281" providerId="LiveId" clId="{3FDE298A-9C01-4CF5-A98C-257F381F28FD}" dt="2020-07-13T06:15:57.483" v="161" actId="478"/>
+          <ac:spMkLst>
+            <pc:docMk/>
+            <pc:sldMk cId="295710718" sldId="282"/>
+            <ac:spMk id="4" creationId="{216863EC-39D2-42E7-A564-290DE2D64C56}"/>
+          </ac:spMkLst>
+        </pc:spChg>
+        <pc:spChg chg="mod">
+          <ac:chgData name="Anderson Harayashiki Moreira" userId="07ffc975ff648281" providerId="LiveId" clId="{3FDE298A-9C01-4CF5-A98C-257F381F28FD}" dt="2020-07-13T06:12:16.117" v="37" actId="123"/>
+          <ac:spMkLst>
+            <pc:docMk/>
+            <pc:sldMk cId="295710718" sldId="282"/>
+            <ac:spMk id="6" creationId="{C753C04F-6B43-455A-939B-EA990B57BCAC}"/>
+          </ac:spMkLst>
+        </pc:spChg>
+        <pc:spChg chg="add">
+          <ac:chgData name="Anderson Harayashiki Moreira" userId="07ffc975ff648281" providerId="LiveId" clId="{3FDE298A-9C01-4CF5-A98C-257F381F28FD}" dt="2020-07-13T06:15:58.038" v="162"/>
+          <ac:spMkLst>
+            <pc:docMk/>
+            <pc:sldMk cId="295710718" sldId="282"/>
+            <ac:spMk id="14" creationId="{351067BA-9D75-4EB8-A6BB-DCB146471DA3}"/>
+          </ac:spMkLst>
+        </pc:spChg>
+      </pc:sldChg>
+      <pc:sldChg chg="addSp delSp modSp">
+        <pc:chgData name="Anderson Harayashiki Moreira" userId="07ffc975ff648281" providerId="LiveId" clId="{3FDE298A-9C01-4CF5-A98C-257F381F28FD}" dt="2020-07-13T06:15:52.709" v="158"/>
+        <pc:sldMkLst>
+          <pc:docMk/>
+          <pc:sldMk cId="1826393868" sldId="283"/>
+        </pc:sldMkLst>
+        <pc:spChg chg="mod">
+          <ac:chgData name="Anderson Harayashiki Moreira" userId="07ffc975ff648281" providerId="LiveId" clId="{3FDE298A-9C01-4CF5-A98C-257F381F28FD}" dt="2020-07-13T06:14:59.364" v="106" actId="27636"/>
+          <ac:spMkLst>
+            <pc:docMk/>
+            <pc:sldMk cId="1826393868" sldId="283"/>
+            <ac:spMk id="3" creationId="{F1E55BAC-5DA9-4CB5-B027-17AE06BCB679}"/>
+          </ac:spMkLst>
+        </pc:spChg>
+        <pc:spChg chg="del">
+          <ac:chgData name="Anderson Harayashiki Moreira" userId="07ffc975ff648281" providerId="LiveId" clId="{3FDE298A-9C01-4CF5-A98C-257F381F28FD}" dt="2020-07-13T06:15:52.173" v="157" actId="478"/>
+          <ac:spMkLst>
+            <pc:docMk/>
+            <pc:sldMk cId="1826393868" sldId="283"/>
+            <ac:spMk id="4" creationId="{025EF474-0ABE-4482-8918-ABE444C6F11E}"/>
+          </ac:spMkLst>
+        </pc:spChg>
+        <pc:spChg chg="mod">
+          <ac:chgData name="Anderson Harayashiki Moreira" userId="07ffc975ff648281" providerId="LiveId" clId="{3FDE298A-9C01-4CF5-A98C-257F381F28FD}" dt="2020-07-13T06:14:50.695" v="104" actId="6549"/>
+          <ac:spMkLst>
+            <pc:docMk/>
+            <pc:sldMk cId="1826393868" sldId="283"/>
+            <ac:spMk id="10" creationId="{F463EF06-CEE4-4107-A5E8-336A24705330}"/>
+          </ac:spMkLst>
+        </pc:spChg>
+        <pc:spChg chg="add">
+          <ac:chgData name="Anderson Harayashiki Moreira" userId="07ffc975ff648281" providerId="LiveId" clId="{3FDE298A-9C01-4CF5-A98C-257F381F28FD}" dt="2020-07-13T06:15:52.709" v="158"/>
+          <ac:spMkLst>
+            <pc:docMk/>
+            <pc:sldMk cId="1826393868" sldId="283"/>
+            <ac:spMk id="12" creationId="{FD56DE2F-D7D9-421A-B24C-C46283173A27}"/>
+          </ac:spMkLst>
+        </pc:spChg>
+      </pc:sldChg>
+      <pc:sldChg chg="addSp delSp">
+        <pc:chgData name="Anderson Harayashiki Moreira" userId="07ffc975ff648281" providerId="LiveId" clId="{3FDE298A-9C01-4CF5-A98C-257F381F28FD}" dt="2020-07-13T06:15:50.229" v="156"/>
+        <pc:sldMkLst>
+          <pc:docMk/>
+          <pc:sldMk cId="231726988" sldId="285"/>
+        </pc:sldMkLst>
+        <pc:spChg chg="del">
+          <ac:chgData name="Anderson Harayashiki Moreira" userId="07ffc975ff648281" providerId="LiveId" clId="{3FDE298A-9C01-4CF5-A98C-257F381F28FD}" dt="2020-07-13T06:15:49.620" v="155" actId="478"/>
+          <ac:spMkLst>
+            <pc:docMk/>
+            <pc:sldMk cId="231726988" sldId="285"/>
+            <ac:spMk id="4" creationId="{3735CCEB-3AB8-40D0-8C5B-F0E312870C8B}"/>
+          </ac:spMkLst>
+        </pc:spChg>
+        <pc:spChg chg="add">
+          <ac:chgData name="Anderson Harayashiki Moreira" userId="07ffc975ff648281" providerId="LiveId" clId="{3FDE298A-9C01-4CF5-A98C-257F381F28FD}" dt="2020-07-13T06:15:50.229" v="156"/>
+          <ac:spMkLst>
+            <pc:docMk/>
+            <pc:sldMk cId="231726988" sldId="285"/>
+            <ac:spMk id="6" creationId="{062AA18C-3472-4361-9904-EF4E3B4FCBF0}"/>
+          </ac:spMkLst>
+        </pc:spChg>
+      </pc:sldChg>
+      <pc:sldChg chg="modSp">
+        <pc:chgData name="Anderson Harayashiki Moreira" userId="07ffc975ff648281" providerId="LiveId" clId="{3FDE298A-9C01-4CF5-A98C-257F381F28FD}" dt="2020-07-13T06:15:43.601" v="154" actId="20577"/>
+        <pc:sldMkLst>
+          <pc:docMk/>
+          <pc:sldMk cId="3392129947" sldId="288"/>
+        </pc:sldMkLst>
+        <pc:spChg chg="mod">
+          <ac:chgData name="Anderson Harayashiki Moreira" userId="07ffc975ff648281" providerId="LiveId" clId="{3FDE298A-9C01-4CF5-A98C-257F381F28FD}" dt="2020-07-13T06:15:35.253" v="150" actId="20577"/>
+          <ac:spMkLst>
+            <pc:docMk/>
+            <pc:sldMk cId="3392129947" sldId="288"/>
+            <ac:spMk id="3" creationId="{00000000-0000-0000-0000-000000000000}"/>
+          </ac:spMkLst>
+        </pc:spChg>
+        <pc:spChg chg="mod">
+          <ac:chgData name="Anderson Harayashiki Moreira" userId="07ffc975ff648281" providerId="LiveId" clId="{3FDE298A-9C01-4CF5-A98C-257F381F28FD}" dt="2020-07-13T06:15:43.601" v="154" actId="20577"/>
+          <ac:spMkLst>
+            <pc:docMk/>
+            <pc:sldMk cId="3392129947" sldId="288"/>
+            <ac:spMk id="4" creationId="{00000000-0000-0000-0000-000000000000}"/>
+          </ac:spMkLst>
+        </pc:spChg>
+      </pc:sldChg>
+    </pc:docChg>
+  </pc:docChgLst>
+</pc:chgInfo>
+</file>
+
 <file path=ppt/handoutMasters/handoutMaster1.xml><?xml version="1.0" encoding="utf-8"?>
 <p:handoutMaster xmlns:a="http://schemas.openxmlformats.org/drawingml/2006/main" xmlns:r="http://schemas.openxmlformats.org/officeDocument/2006/relationships" xmlns:p="http://schemas.openxmlformats.org/presentationml/2006/main">
   <p:cSld>
@@ -219,7 +496,7 @@
           <a:p>
             <a:fld id="{58040048-1E4D-CD41-AC49-0750EB72586B}" type="datetimeFigureOut">
               <a:rPr lang="en-US" smtClean="0"/>
-              <a:t>6/11/2020</a:t>
+              <a:t>7/13/2020</a:t>
             </a:fld>
             <a:endParaRPr lang="en-US"/>
           </a:p>
@@ -385,7 +662,7 @@
           <a:p>
             <a:fld id="{2B8484CF-5098-F24E-8881-583515D5C406}" type="datetimeFigureOut">
               <a:rPr lang="en-US" smtClean="0"/>
-              <a:t>6/11/2020</a:t>
+              <a:t>7/13/2020</a:t>
             </a:fld>
             <a:endParaRPr lang="en-US"/>
           </a:p>
@@ -5500,14 +5777,9 @@
           <a:lstStyle/>
           <a:p>
             <a:r>
-              <a:rPr lang="en-US" dirty="0"/>
-              <a:t>Segue </a:t>
-            </a:r>
-            <a:r>
-              <a:rPr lang="en-US" dirty="0" err="1"/>
-              <a:t>linha</a:t>
-            </a:r>
-            <a:endParaRPr lang="en-US" dirty="0"/>
+              <a:rPr lang="pt-BR"/>
+              <a:t>SeguIDOR de linha</a:t>
+            </a:r>
           </a:p>
         </p:txBody>
       </p:sp>
@@ -5634,31 +5906,9 @@
           <a:p>
             <a:r>
               <a:rPr lang="pt-BR" dirty="0"/>
-              <a:t>Aprender a combinar loops, sensores e blocos de controle.</a:t>
+              <a:t>Aprender a combinar laços de repetição, sensores e blocos de controle.</a:t>
             </a:r>
             <a:endParaRPr lang="en-US" dirty="0"/>
-          </a:p>
-        </p:txBody>
-      </p:sp>
-      <p:sp>
-        <p:nvSpPr>
-          <p:cNvPr id="4" name="Footer Placeholder 3"/>
-          <p:cNvSpPr>
-            <a:spLocks noGrp="1"/>
-          </p:cNvSpPr>
-          <p:nvPr>
-            <p:ph type="ftr" sz="quarter" idx="11"/>
-          </p:nvPr>
-        </p:nvSpPr>
-        <p:spPr/>
-        <p:txBody>
-          <a:bodyPr/>
-          <a:lstStyle/>
-          <a:p>
-            <a:r>
-              <a:rPr lang="en-US"/>
-              <a:t>Copyright © 2020 SPIKE Prime Lessons (primelessons.org) CC-BY-NC-SA.  (Last edit: 1/9/2020)</a:t>
-            </a:r>
           </a:p>
         </p:txBody>
       </p:sp>
@@ -5688,6 +5938,39 @@
               <a:t>2</a:t>
             </a:fld>
             <a:endParaRPr lang="en-US"/>
+          </a:p>
+        </p:txBody>
+      </p:sp>
+      <p:sp>
+        <p:nvSpPr>
+          <p:cNvPr id="6" name="Footer Placeholder 3">
+            <a:extLst>
+              <a:ext uri="{FF2B5EF4-FFF2-40B4-BE49-F238E27FC236}">
+                <a16:creationId xmlns:a16="http://schemas.microsoft.com/office/drawing/2014/main" id="{59EF6566-A9E4-49DC-8963-51AE20752DBA}"/>
+              </a:ext>
+            </a:extLst>
+          </p:cNvPr>
+          <p:cNvSpPr>
+            <a:spLocks noGrp="1"/>
+          </p:cNvSpPr>
+          <p:nvPr>
+            <p:ph type="ftr" sz="quarter" idx="11"/>
+          </p:nvPr>
+        </p:nvSpPr>
+        <p:spPr>
+          <a:xfrm>
+            <a:off x="88409" y="6325100"/>
+            <a:ext cx="4870585" cy="365125"/>
+          </a:xfrm>
+        </p:spPr>
+        <p:txBody>
+          <a:bodyPr/>
+          <a:lstStyle/>
+          <a:p>
+            <a:r>
+              <a:rPr lang="en-US" dirty="0"/>
+              <a:t>Copyright © 2020 SPIKE Prime Lessons (primelessons.org) CC-BY-NC-SA.  (Last edit: 07/13/2020)</a:t>
+            </a:r>
           </a:p>
         </p:txBody>
       </p:sp>
@@ -5767,35 +6050,6 @@
             <a:r>
               <a:rPr lang="en-US" dirty="0" err="1"/>
               <a:t>linha</a:t>
-            </a:r>
-            <a:endParaRPr lang="en-US" dirty="0"/>
-          </a:p>
-        </p:txBody>
-      </p:sp>
-      <p:sp>
-        <p:nvSpPr>
-          <p:cNvPr id="4" name="Footer Placeholder 3">
-            <a:extLst>
-              <a:ext uri="{FF2B5EF4-FFF2-40B4-BE49-F238E27FC236}">
-                <a16:creationId xmlns:a16="http://schemas.microsoft.com/office/drawing/2014/main" id="{E8B5F751-91E3-4C43-81E0-90C074B0CBB6}"/>
-              </a:ext>
-            </a:extLst>
-          </p:cNvPr>
-          <p:cNvSpPr>
-            <a:spLocks noGrp="1"/>
-          </p:cNvSpPr>
-          <p:nvPr>
-            <p:ph type="ftr" sz="quarter" idx="11"/>
-          </p:nvPr>
-        </p:nvSpPr>
-        <p:spPr/>
-        <p:txBody>
-          <a:bodyPr/>
-          <a:lstStyle/>
-          <a:p>
-            <a:r>
-              <a:rPr lang="en-US"/>
-              <a:t>Copyright © 2020 SPIKE Prime Lessons (primelessons.org) CC-BY-NC-SA.  (Last edit: 1/9/2020)</a:t>
             </a:r>
             <a:endParaRPr lang="en-US" dirty="0"/>
           </a:p>
@@ -6043,7 +6297,7 @@
               </a:ln>
               <a:extLst>
                 <a:ext uri="{909E8E84-426E-40dd-AFC4-6F175D3DCCD1}">
-                  <a14:hiddenFill xmlns:lc="http://schemas.openxmlformats.org/drawingml/2006/lockedCanvas" xmlns:a14="http://schemas.microsoft.com/office/drawing/2010/main" xmlns="">
+                  <a14:hiddenFill xmlns="" xmlns:a14="http://schemas.microsoft.com/office/drawing/2010/main" xmlns:lc="http://schemas.openxmlformats.org/drawingml/2006/lockedCanvas">
                     <a:noFill/>
                   </a14:hiddenFill>
                 </a:ext>
@@ -6184,7 +6438,7 @@
               </a:ln>
               <a:extLst>
                 <a:ext uri="{909E8E84-426E-40dd-AFC4-6F175D3DCCD1}">
-                  <a14:hiddenFill xmlns:lc="http://schemas.openxmlformats.org/drawingml/2006/lockedCanvas" xmlns:a14="http://schemas.microsoft.com/office/drawing/2010/main" xmlns="">
+                  <a14:hiddenFill xmlns="" xmlns:a14="http://schemas.microsoft.com/office/drawing/2010/main" xmlns:lc="http://schemas.openxmlformats.org/drawingml/2006/lockedCanvas">
                     <a:noFill/>
                   </a14:hiddenFill>
                 </a:ext>
@@ -6348,7 +6602,7 @@
               </a:ln>
               <a:extLst>
                 <a:ext uri="{909E8E84-426E-40dd-AFC4-6F175D3DCCD1}">
-                  <a14:hiddenFill xmlns:lc="http://schemas.openxmlformats.org/drawingml/2006/lockedCanvas" xmlns:a14="http://schemas.microsoft.com/office/drawing/2010/main" xmlns="">
+                  <a14:hiddenFill xmlns="" xmlns:a14="http://schemas.microsoft.com/office/drawing/2010/main" xmlns:lc="http://schemas.openxmlformats.org/drawingml/2006/lockedCanvas">
                     <a:noFill/>
                   </a14:hiddenFill>
                 </a:ext>
@@ -6489,7 +6743,7 @@
               </a:ln>
               <a:extLst>
                 <a:ext uri="{909E8E84-426E-40dd-AFC4-6F175D3DCCD1}">
-                  <a14:hiddenFill xmlns:lc="http://schemas.openxmlformats.org/drawingml/2006/lockedCanvas" xmlns:a14="http://schemas.microsoft.com/office/drawing/2010/main" xmlns="">
+                  <a14:hiddenFill xmlns="" xmlns:a14="http://schemas.microsoft.com/office/drawing/2010/main" xmlns:lc="http://schemas.openxmlformats.org/drawingml/2006/lockedCanvas">
                     <a:noFill/>
                   </a14:hiddenFill>
                 </a:ext>
@@ -8977,6 +9231,39 @@
           </p:txBody>
         </p:sp>
       </p:grpSp>
+      <p:sp>
+        <p:nvSpPr>
+          <p:cNvPr id="35" name="Footer Placeholder 3">
+            <a:extLst>
+              <a:ext uri="{FF2B5EF4-FFF2-40B4-BE49-F238E27FC236}">
+                <a16:creationId xmlns:a16="http://schemas.microsoft.com/office/drawing/2014/main" id="{6538A532-E3E1-4DD8-85BB-D0967D51AAFE}"/>
+              </a:ext>
+            </a:extLst>
+          </p:cNvPr>
+          <p:cNvSpPr>
+            <a:spLocks noGrp="1"/>
+          </p:cNvSpPr>
+          <p:nvPr>
+            <p:ph type="ftr" sz="quarter" idx="11"/>
+          </p:nvPr>
+        </p:nvSpPr>
+        <p:spPr>
+          <a:xfrm>
+            <a:off x="88409" y="6325100"/>
+            <a:ext cx="4870585" cy="365125"/>
+          </a:xfrm>
+        </p:spPr>
+        <p:txBody>
+          <a:bodyPr/>
+          <a:lstStyle/>
+          <a:p>
+            <a:r>
+              <a:rPr lang="en-US" dirty="0"/>
+              <a:t>Copyright © 2020 SPIKE Prime Lessons (primelessons.org) CC-BY-NC-SA.  (Last edit: 07/13/2020)</a:t>
+            </a:r>
+          </a:p>
+        </p:txBody>
+      </p:sp>
     </p:spTree>
     <p:extLst>
       <p:ext uri="{BB962C8B-B14F-4D97-AF65-F5344CB8AC3E}">
@@ -9069,40 +9356,6 @@
             <a:r>
               <a:rPr lang="en-US" dirty="0" err="1"/>
               <a:t>começar</a:t>
-            </a:r>
-            <a:endParaRPr lang="en-US" dirty="0"/>
-          </a:p>
-        </p:txBody>
-      </p:sp>
-      <p:sp>
-        <p:nvSpPr>
-          <p:cNvPr id="4" name="Footer Placeholder 3">
-            <a:extLst>
-              <a:ext uri="{FF2B5EF4-FFF2-40B4-BE49-F238E27FC236}">
-                <a16:creationId xmlns:a16="http://schemas.microsoft.com/office/drawing/2014/main" id="{4268A062-5F8E-4269-B9CA-18DCD422D0E9}"/>
-              </a:ext>
-            </a:extLst>
-          </p:cNvPr>
-          <p:cNvSpPr>
-            <a:spLocks noGrp="1"/>
-          </p:cNvSpPr>
-          <p:nvPr>
-            <p:ph type="ftr" sz="quarter" idx="11"/>
-          </p:nvPr>
-        </p:nvSpPr>
-        <p:spPr>
-          <a:xfrm>
-            <a:off x="88409" y="6266486"/>
-            <a:ext cx="4870585" cy="332628"/>
-          </a:xfrm>
-        </p:spPr>
-        <p:txBody>
-          <a:bodyPr/>
-          <a:lstStyle/>
-          <a:p>
-            <a:r>
-              <a:rPr lang="en-US"/>
-              <a:t>Copyright © 2020 SPIKE Prime Lessons (primelessons.org) CC-BY-NC-SA.  (Last edit: 1/9/2020)</a:t>
             </a:r>
             <a:endParaRPr lang="en-US" dirty="0"/>
           </a:p>
@@ -12544,7 +12797,40 @@
             <a:pPr algn="ctr"/>
             <a:r>
               <a:rPr lang="pt-BR" sz="1600" dirty="0"/>
-              <a:t>Se você escrever para seu robô seguir o lado direito da linha você deve começar do lado direito e vice versa.</a:t>
+              <a:t>Se você escrever um código para seu robô seguir o lado direito da linha você deve começar do lado direito.</a:t>
+            </a:r>
+          </a:p>
+        </p:txBody>
+      </p:sp>
+      <p:sp>
+        <p:nvSpPr>
+          <p:cNvPr id="42" name="Footer Placeholder 3">
+            <a:extLst>
+              <a:ext uri="{FF2B5EF4-FFF2-40B4-BE49-F238E27FC236}">
+                <a16:creationId xmlns:a16="http://schemas.microsoft.com/office/drawing/2014/main" id="{A2DDFDC5-2B7A-46FC-B68E-FF743F888539}"/>
+              </a:ext>
+            </a:extLst>
+          </p:cNvPr>
+          <p:cNvSpPr>
+            <a:spLocks noGrp="1"/>
+          </p:cNvSpPr>
+          <p:nvPr>
+            <p:ph type="ftr" sz="quarter" idx="11"/>
+          </p:nvPr>
+        </p:nvSpPr>
+        <p:spPr>
+          <a:xfrm>
+            <a:off x="88409" y="6325100"/>
+            <a:ext cx="4870585" cy="365125"/>
+          </a:xfrm>
+        </p:spPr>
+        <p:txBody>
+          <a:bodyPr/>
+          <a:lstStyle/>
+          <a:p>
+            <a:r>
+              <a:rPr lang="en-US" dirty="0"/>
+              <a:t>Copyright © 2020 SPIKE Prime Lessons (primelessons.org) CC-BY-NC-SA.  (Last edit: 07/13/2020)</a:t>
             </a:r>
           </a:p>
         </p:txBody>
@@ -12681,35 +12967,6 @@
               <a:rPr lang="pt-BR" dirty="0"/>
               <a:t>Use o Modo Cor ou o Modo Luz Refletida.</a:t>
             </a:r>
-          </a:p>
-        </p:txBody>
-      </p:sp>
-      <p:sp>
-        <p:nvSpPr>
-          <p:cNvPr id="4" name="Footer Placeholder 3">
-            <a:extLst>
-              <a:ext uri="{FF2B5EF4-FFF2-40B4-BE49-F238E27FC236}">
-                <a16:creationId xmlns:a16="http://schemas.microsoft.com/office/drawing/2014/main" id="{216863EC-39D2-42E7-A564-290DE2D64C56}"/>
-              </a:ext>
-            </a:extLst>
-          </p:cNvPr>
-          <p:cNvSpPr>
-            <a:spLocks noGrp="1"/>
-          </p:cNvSpPr>
-          <p:nvPr>
-            <p:ph type="ftr" sz="quarter" idx="11"/>
-          </p:nvPr>
-        </p:nvSpPr>
-        <p:spPr/>
-        <p:txBody>
-          <a:bodyPr/>
-          <a:lstStyle/>
-          <a:p>
-            <a:r>
-              <a:rPr lang="en-US"/>
-              <a:t>Copyright © 2020 SPIKE Prime Lessons (primelessons.org) CC-BY-NC-SA.  (Last edit: 1/9/2020)</a:t>
-            </a:r>
-            <a:endParaRPr lang="en-US" dirty="0"/>
           </a:p>
         </p:txBody>
       </p:sp>
@@ -13530,9 +13787,43 @@
           </a:bodyPr>
           <a:lstStyle/>
           <a:p>
+            <a:pPr algn="just"/>
             <a:r>
               <a:rPr lang="pt-BR" sz="1400" dirty="0"/>
               <a:t>Nota: Para fazer esse desafio usando a BMA no Modo Cor será preciso fazer uma modificação no design já que o Sensor de Cor não reconhece a cor preta na montagem original. Veja a nossa Lição Sensor de Cor.</a:t>
+            </a:r>
+          </a:p>
+        </p:txBody>
+      </p:sp>
+      <p:sp>
+        <p:nvSpPr>
+          <p:cNvPr id="14" name="Footer Placeholder 3">
+            <a:extLst>
+              <a:ext uri="{FF2B5EF4-FFF2-40B4-BE49-F238E27FC236}">
+                <a16:creationId xmlns:a16="http://schemas.microsoft.com/office/drawing/2014/main" id="{351067BA-9D75-4EB8-A6BB-DCB146471DA3}"/>
+              </a:ext>
+            </a:extLst>
+          </p:cNvPr>
+          <p:cNvSpPr>
+            <a:spLocks noGrp="1"/>
+          </p:cNvSpPr>
+          <p:nvPr>
+            <p:ph type="ftr" sz="quarter" idx="11"/>
+          </p:nvPr>
+        </p:nvSpPr>
+        <p:spPr>
+          <a:xfrm>
+            <a:off x="88409" y="6325100"/>
+            <a:ext cx="4870585" cy="365125"/>
+          </a:xfrm>
+        </p:spPr>
+        <p:txBody>
+          <a:bodyPr/>
+          <a:lstStyle/>
+          <a:p>
+            <a:r>
+              <a:rPr lang="en-US" dirty="0"/>
+              <a:t>Copyright © 2020 SPIKE Prime Lessons (primelessons.org) CC-BY-NC-SA.  (Last edit: 07/13/2020)</a:t>
             </a:r>
           </a:p>
         </p:txBody>
@@ -13638,51 +13929,25 @@
           </a:bodyPr>
           <a:lstStyle/>
           <a:p>
+            <a:pPr algn="just"/>
             <a:r>
               <a:rPr lang="pt-BR" dirty="0"/>
               <a:t>Sincronização dos motores: Esse bloco tenta manter o número de rotações proporcional entre os motores.</a:t>
             </a:r>
           </a:p>
           <a:p>
+            <a:pPr algn="just"/>
             <a:r>
               <a:rPr lang="pt-BR" dirty="0"/>
               <a:t>Aceleração/desaceleração: Esse bloco atinge a velocidade desejada em um tempo menor.</a:t>
             </a:r>
           </a:p>
           <a:p>
+            <a:pPr algn="just"/>
             <a:r>
               <a:rPr lang="pt-BR" dirty="0"/>
               <a:t>Controle de velocidade: Esse bloco ajusta a potência que vai para os motores a fim de manter a mesma velocidade.</a:t>
             </a:r>
-          </a:p>
-        </p:txBody>
-      </p:sp>
-      <p:sp>
-        <p:nvSpPr>
-          <p:cNvPr id="4" name="Footer Placeholder 3">
-            <a:extLst>
-              <a:ext uri="{FF2B5EF4-FFF2-40B4-BE49-F238E27FC236}">
-                <a16:creationId xmlns:a16="http://schemas.microsoft.com/office/drawing/2014/main" id="{BB62EFB0-CE6D-473F-B2C8-6DC563EBB023}"/>
-              </a:ext>
-            </a:extLst>
-          </p:cNvPr>
-          <p:cNvSpPr>
-            <a:spLocks noGrp="1"/>
-          </p:cNvSpPr>
-          <p:nvPr>
-            <p:ph type="ftr" sz="quarter" idx="11"/>
-          </p:nvPr>
-        </p:nvSpPr>
-        <p:spPr/>
-        <p:txBody>
-          <a:bodyPr/>
-          <a:lstStyle/>
-          <a:p>
-            <a:r>
-              <a:rPr lang="en-US"/>
-              <a:t>Copyright © 2020 SPIKE Prime Lessons (primelessons.org) CC-BY-NC-SA.  (Last edit: 1/9/2020)</a:t>
-            </a:r>
-            <a:endParaRPr lang="en-US" dirty="0"/>
           </a:p>
         </p:txBody>
       </p:sp>
@@ -13972,29 +14237,57 @@
             </a:lvl9pPr>
           </a:lstStyle>
           <a:p>
+            <a:pPr algn="just"/>
             <a:r>
               <a:rPr lang="pt-BR" dirty="0"/>
               <a:t>Não tem as funções da esquerda</a:t>
             </a:r>
           </a:p>
           <a:p>
+            <a:pPr algn="just"/>
             <a:r>
               <a:rPr lang="pt-BR" dirty="0"/>
-              <a:t>Enquanto os blocos de velocidade tem mais funções, quando você estiver usando blocos de movimento dentro de um loop (Bloco Repete), onde ele </a:t>
-            </a:r>
-            <a:r>
-              <a:rPr lang="pt-BR" dirty="0" err="1"/>
-              <a:t>cicla</a:t>
-            </a:r>
-            <a:r>
-              <a:rPr lang="pt-BR" dirty="0"/>
-              <a:t> pelo loop rapidamente, você deve usar os blocos de “potência”.</a:t>
-            </a:r>
-          </a:p>
-          <a:p>
+              <a:t>Enquanto os blocos de velocidade tem mais funções, quando você estiver usando blocos de movimento dentro de um laço de repetição (Bloco Repete), onde ele executa o laço de repetição muito rapidamente, você deve usar o bloco de “potência”.</a:t>
+            </a:r>
+          </a:p>
+          <a:p>
+            <a:pPr algn="just"/>
             <a:r>
               <a:rPr lang="pt-BR" dirty="0"/>
               <a:t>Para esta lição usaremos o bloco “potência”.</a:t>
+            </a:r>
+          </a:p>
+        </p:txBody>
+      </p:sp>
+      <p:sp>
+        <p:nvSpPr>
+          <p:cNvPr id="8" name="Footer Placeholder 3">
+            <a:extLst>
+              <a:ext uri="{FF2B5EF4-FFF2-40B4-BE49-F238E27FC236}">
+                <a16:creationId xmlns:a16="http://schemas.microsoft.com/office/drawing/2014/main" id="{314A4BAF-4D06-4093-8FE0-36070B0ED667}"/>
+              </a:ext>
+            </a:extLst>
+          </p:cNvPr>
+          <p:cNvSpPr>
+            <a:spLocks noGrp="1"/>
+          </p:cNvSpPr>
+          <p:nvPr>
+            <p:ph type="ftr" sz="quarter" idx="11"/>
+          </p:nvPr>
+        </p:nvSpPr>
+        <p:spPr>
+          <a:xfrm>
+            <a:off x="88409" y="6325100"/>
+            <a:ext cx="4870585" cy="365125"/>
+          </a:xfrm>
+        </p:spPr>
+        <p:txBody>
+          <a:bodyPr/>
+          <a:lstStyle/>
+          <a:p>
+            <a:r>
+              <a:rPr lang="en-US" dirty="0"/>
+              <a:t>Copyright © 2020 SPIKE Prime Lessons (primelessons.org) CC-BY-NC-SA.  (Last edit: 07/13/2020)</a:t>
             </a:r>
           </a:p>
         </p:txBody>
@@ -14079,35 +14372,6 @@
             <a:r>
               <a:rPr lang="en-US" dirty="0" err="1"/>
               <a:t>refletida</a:t>
-            </a:r>
-            <a:endParaRPr lang="en-US" dirty="0"/>
-          </a:p>
-        </p:txBody>
-      </p:sp>
-      <p:sp>
-        <p:nvSpPr>
-          <p:cNvPr id="4" name="Footer Placeholder 3">
-            <a:extLst>
-              <a:ext uri="{FF2B5EF4-FFF2-40B4-BE49-F238E27FC236}">
-                <a16:creationId xmlns:a16="http://schemas.microsoft.com/office/drawing/2014/main" id="{025EF474-0ABE-4482-8918-ABE444C6F11E}"/>
-              </a:ext>
-            </a:extLst>
-          </p:cNvPr>
-          <p:cNvSpPr>
-            <a:spLocks noGrp="1"/>
-          </p:cNvSpPr>
-          <p:nvPr>
-            <p:ph type="ftr" sz="quarter" idx="11"/>
-          </p:nvPr>
-        </p:nvSpPr>
-        <p:spPr/>
-        <p:txBody>
-          <a:bodyPr/>
-          <a:lstStyle/>
-          <a:p>
-            <a:r>
-              <a:rPr lang="en-US"/>
-              <a:t>Copyright © 2020 SPIKE Prime Lessons (primelessons.org) CC-BY-NC-SA.  (Last edit: 1/9/2020)</a:t>
             </a:r>
             <a:endParaRPr lang="en-US" dirty="0"/>
           </a:p>
@@ -14195,7 +14459,7 @@
         </p:spPr>
         <p:txBody>
           <a:bodyPr>
-            <a:normAutofit/>
+            <a:normAutofit fontScale="92500"/>
           </a:bodyPr>
           <a:lstStyle/>
           <a:p>
@@ -14206,6 +14470,12 @@
               <a:rPr lang="pt-BR" dirty="0"/>
               <a:t>Quando o robô vê preto, ele vira a esquerda.</a:t>
             </a:r>
+          </a:p>
+          <a:p>
+            <a:pPr marL="0" indent="0">
+              <a:buNone/>
+            </a:pPr>
+            <a:endParaRPr lang="pt-BR" dirty="0"/>
           </a:p>
           <a:p>
             <a:pPr marL="0" indent="0">
@@ -14289,7 +14559,7 @@
                   <a:srgbClr val="FF0000"/>
                 </a:solidFill>
               </a:rPr>
-              <a:t>Para usar o modo Luz Refletida substitua na condição.</a:t>
+              <a:t>Para usar o modo Luz Refletida substitua a condição.</a:t>
             </a:r>
           </a:p>
         </p:txBody>
@@ -14390,6 +14660,39 @@
           </a:fontRef>
         </p:style>
       </p:cxnSp>
+      <p:sp>
+        <p:nvSpPr>
+          <p:cNvPr id="12" name="Footer Placeholder 3">
+            <a:extLst>
+              <a:ext uri="{FF2B5EF4-FFF2-40B4-BE49-F238E27FC236}">
+                <a16:creationId xmlns:a16="http://schemas.microsoft.com/office/drawing/2014/main" id="{FD56DE2F-D7D9-421A-B24C-C46283173A27}"/>
+              </a:ext>
+            </a:extLst>
+          </p:cNvPr>
+          <p:cNvSpPr>
+            <a:spLocks noGrp="1"/>
+          </p:cNvSpPr>
+          <p:nvPr>
+            <p:ph type="ftr" sz="quarter" idx="11"/>
+          </p:nvPr>
+        </p:nvSpPr>
+        <p:spPr>
+          <a:xfrm>
+            <a:off x="88409" y="6325100"/>
+            <a:ext cx="4870585" cy="365125"/>
+          </a:xfrm>
+        </p:spPr>
+        <p:txBody>
+          <a:bodyPr/>
+          <a:lstStyle/>
+          <a:p>
+            <a:r>
+              <a:rPr lang="en-US" dirty="0"/>
+              <a:t>Copyright © 2020 SPIKE Prime Lessons (primelessons.org) CC-BY-NC-SA.  (Last edit: 07/13/2020)</a:t>
+            </a:r>
+          </a:p>
+        </p:txBody>
+      </p:sp>
     </p:spTree>
     <p:extLst>
       <p:ext uri="{BB962C8B-B14F-4D97-AF65-F5344CB8AC3E}">
@@ -14495,35 +14798,6 @@
       </p:sp>
       <p:sp>
         <p:nvSpPr>
-          <p:cNvPr id="4" name="Footer Placeholder 3">
-            <a:extLst>
-              <a:ext uri="{FF2B5EF4-FFF2-40B4-BE49-F238E27FC236}">
-                <a16:creationId xmlns:a16="http://schemas.microsoft.com/office/drawing/2014/main" id="{3735CCEB-3AB8-40D0-8C5B-F0E312870C8B}"/>
-              </a:ext>
-            </a:extLst>
-          </p:cNvPr>
-          <p:cNvSpPr>
-            <a:spLocks noGrp="1"/>
-          </p:cNvSpPr>
-          <p:nvPr>
-            <p:ph type="ftr" sz="quarter" idx="11"/>
-          </p:nvPr>
-        </p:nvSpPr>
-        <p:spPr/>
-        <p:txBody>
-          <a:bodyPr/>
-          <a:lstStyle/>
-          <a:p>
-            <a:r>
-              <a:rPr lang="en-US"/>
-              <a:t>Copyright © 2020 SPIKE Prime Lessons (primelessons.org) CC-BY-NC-SA.  (Last edit: 1/9/2020)</a:t>
-            </a:r>
-            <a:endParaRPr lang="en-US" dirty="0"/>
-          </a:p>
-        </p:txBody>
-      </p:sp>
-      <p:sp>
-        <p:nvSpPr>
           <p:cNvPr id="5" name="Slide Number Placeholder 4">
             <a:extLst>
               <a:ext uri="{FF2B5EF4-FFF2-40B4-BE49-F238E27FC236}">
@@ -14548,6 +14822,39 @@
               <a:t>8</a:t>
             </a:fld>
             <a:endParaRPr lang="en-US"/>
+          </a:p>
+        </p:txBody>
+      </p:sp>
+      <p:sp>
+        <p:nvSpPr>
+          <p:cNvPr id="6" name="Footer Placeholder 3">
+            <a:extLst>
+              <a:ext uri="{FF2B5EF4-FFF2-40B4-BE49-F238E27FC236}">
+                <a16:creationId xmlns:a16="http://schemas.microsoft.com/office/drawing/2014/main" id="{062AA18C-3472-4361-9904-EF4E3B4FCBF0}"/>
+              </a:ext>
+            </a:extLst>
+          </p:cNvPr>
+          <p:cNvSpPr>
+            <a:spLocks noGrp="1"/>
+          </p:cNvSpPr>
+          <p:nvPr>
+            <p:ph type="ftr" sz="quarter" idx="11"/>
+          </p:nvPr>
+        </p:nvSpPr>
+        <p:spPr>
+          <a:xfrm>
+            <a:off x="88409" y="6325100"/>
+            <a:ext cx="4870585" cy="365125"/>
+          </a:xfrm>
+        </p:spPr>
+        <p:txBody>
+          <a:bodyPr/>
+          <a:lstStyle/>
+          <a:p>
+            <a:r>
+              <a:rPr lang="en-US" dirty="0"/>
+              <a:t>Copyright © 2020 SPIKE Prime Lessons (primelessons.org) CC-BY-NC-SA.  (Last edit: 07/13/2020)</a:t>
+            </a:r>
           </a:p>
         </p:txBody>
       </p:sp>
@@ -14684,7 +14991,15 @@
           <a:p>
             <a:r>
               <a:rPr lang="pt-BR" sz="1600" dirty="0"/>
-              <a:t>Traduzido para o português por Lucas Colonna</a:t>
+              <a:t>Traduzido para o português por Lucas </a:t>
+            </a:r>
+            <a:r>
+              <a:rPr lang="pt-BR" sz="1600" dirty="0" err="1"/>
+              <a:t>Colonna</a:t>
+            </a:r>
+            <a:r>
+              <a:rPr lang="pt-BR" sz="1600" dirty="0"/>
+              <a:t> e revisado por Anderson Harayashiki Moreira</a:t>
             </a:r>
           </a:p>
           <a:p>
@@ -14709,7 +15024,7 @@
           <a:p>
             <a:r>
               <a:rPr lang="en-US" dirty="0"/>
-              <a:t>Copyright © 2020 SPIKE Prime Lessons (primelessons.org) CC-BY-NC-SA.  (Last edit: 1/9/2020)</a:t>
+              <a:t>Copyright © 2020 SPIKE Prime Lessons (primelessons.org) CC-BY-NC-SA.  (Last edit: 07/13/2020)</a:t>
             </a:r>
           </a:p>
         </p:txBody>
@@ -14739,7 +15054,7 @@
           <a:effectLst/>
           <a:extLst>
             <a:ext uri="{91240B29-F687-4f45-9708-019B960494DF}">
-              <a14:hiddenLine xmlns:a14="http://schemas.microsoft.com/office/drawing/2010/main" xmlns="" w="9525">
+              <a14:hiddenLine xmlns="" xmlns:a14="http://schemas.microsoft.com/office/drawing/2010/main" w="9525">
                 <a:solidFill>
                   <a:schemeClr val="tx1"/>
                 </a:solidFill>
@@ -14749,7 +15064,7 @@
               </a14:hiddenLine>
             </a:ext>
             <a:ext uri="{AF507438-7753-43e0-B8FC-AC1667EBCBE1}">
-              <a14:hiddenEffects xmlns:a14="http://schemas.microsoft.com/office/drawing/2010/main" xmlns="">
+              <a14:hiddenEffects xmlns="" xmlns:a14="http://schemas.microsoft.com/office/drawing/2010/main">
                 <a:effectLst>
                   <a:outerShdw dist="35921" dir="2700000" algn="ctr" rotWithShape="0">
                     <a:schemeClr val="bg2"/>
@@ -15090,7 +15405,7 @@
           <a:noFill/>
           <a:extLst>
             <a:ext uri="{909E8E84-426E-40dd-AFC4-6F175D3DCCD1}">
-              <a14:hiddenFill xmlns:a14="http://schemas.microsoft.com/office/drawing/2010/main" xmlns="">
+              <a14:hiddenFill xmlns="" xmlns:a14="http://schemas.microsoft.com/office/drawing/2010/main">
                 <a:solidFill>
                   <a:srgbClr val="FFFFFF"/>
                 </a:solidFill>
